--- a/ECSE/Workshop-4/workshop4.pptx
+++ b/ECSE/Workshop-4/workshop4.pptx
@@ -8,6 +8,7 @@
     <p:sldId id="256" r:id="rId2"/>
     <p:sldId id="257" r:id="rId3"/>
     <p:sldId id="258" r:id="rId4"/>
+    <p:sldId id="259" r:id="rId5"/>
   </p:sldIdLst>
   <p:sldSz cx="12192000" cy="6858000"/>
   <p:notesSz cx="6858000" cy="9144000"/>
@@ -263,7 +264,7 @@
           <a:p>
             <a:fld id="{CB4ED598-43EB-408A-9236-B45AB4DAC6D0}" type="datetimeFigureOut">
               <a:rPr lang="en-CA" smtClean="0"/>
-              <a:t>2019-12-29</a:t>
+              <a:t>2020-01-19</a:t>
             </a:fld>
             <a:endParaRPr lang="en-CA"/>
           </a:p>
@@ -463,7 +464,7 @@
           <a:p>
             <a:fld id="{CB4ED598-43EB-408A-9236-B45AB4DAC6D0}" type="datetimeFigureOut">
               <a:rPr lang="en-CA" smtClean="0"/>
-              <a:t>2019-12-29</a:t>
+              <a:t>2020-01-19</a:t>
             </a:fld>
             <a:endParaRPr lang="en-CA"/>
           </a:p>
@@ -673,7 +674,7 @@
           <a:p>
             <a:fld id="{CB4ED598-43EB-408A-9236-B45AB4DAC6D0}" type="datetimeFigureOut">
               <a:rPr lang="en-CA" smtClean="0"/>
-              <a:t>2019-12-29</a:t>
+              <a:t>2020-01-19</a:t>
             </a:fld>
             <a:endParaRPr lang="en-CA"/>
           </a:p>
@@ -873,7 +874,7 @@
           <a:p>
             <a:fld id="{CB4ED598-43EB-408A-9236-B45AB4DAC6D0}" type="datetimeFigureOut">
               <a:rPr lang="en-CA" smtClean="0"/>
-              <a:t>2019-12-29</a:t>
+              <a:t>2020-01-19</a:t>
             </a:fld>
             <a:endParaRPr lang="en-CA"/>
           </a:p>
@@ -1149,7 +1150,7 @@
           <a:p>
             <a:fld id="{CB4ED598-43EB-408A-9236-B45AB4DAC6D0}" type="datetimeFigureOut">
               <a:rPr lang="en-CA" smtClean="0"/>
-              <a:t>2019-12-29</a:t>
+              <a:t>2020-01-19</a:t>
             </a:fld>
             <a:endParaRPr lang="en-CA"/>
           </a:p>
@@ -1417,7 +1418,7 @@
           <a:p>
             <a:fld id="{CB4ED598-43EB-408A-9236-B45AB4DAC6D0}" type="datetimeFigureOut">
               <a:rPr lang="en-CA" smtClean="0"/>
-              <a:t>2019-12-29</a:t>
+              <a:t>2020-01-19</a:t>
             </a:fld>
             <a:endParaRPr lang="en-CA"/>
           </a:p>
@@ -1832,7 +1833,7 @@
           <a:p>
             <a:fld id="{CB4ED598-43EB-408A-9236-B45AB4DAC6D0}" type="datetimeFigureOut">
               <a:rPr lang="en-CA" smtClean="0"/>
-              <a:t>2019-12-29</a:t>
+              <a:t>2020-01-19</a:t>
             </a:fld>
             <a:endParaRPr lang="en-CA"/>
           </a:p>
@@ -1974,7 +1975,7 @@
           <a:p>
             <a:fld id="{CB4ED598-43EB-408A-9236-B45AB4DAC6D0}" type="datetimeFigureOut">
               <a:rPr lang="en-CA" smtClean="0"/>
-              <a:t>2019-12-29</a:t>
+              <a:t>2020-01-19</a:t>
             </a:fld>
             <a:endParaRPr lang="en-CA"/>
           </a:p>
@@ -2087,7 +2088,7 @@
           <a:p>
             <a:fld id="{CB4ED598-43EB-408A-9236-B45AB4DAC6D0}" type="datetimeFigureOut">
               <a:rPr lang="en-CA" smtClean="0"/>
-              <a:t>2019-12-29</a:t>
+              <a:t>2020-01-19</a:t>
             </a:fld>
             <a:endParaRPr lang="en-CA"/>
           </a:p>
@@ -2400,7 +2401,7 @@
           <a:p>
             <a:fld id="{CB4ED598-43EB-408A-9236-B45AB4DAC6D0}" type="datetimeFigureOut">
               <a:rPr lang="en-CA" smtClean="0"/>
-              <a:t>2019-12-29</a:t>
+              <a:t>2020-01-19</a:t>
             </a:fld>
             <a:endParaRPr lang="en-CA"/>
           </a:p>
@@ -2689,7 +2690,7 @@
           <a:p>
             <a:fld id="{CB4ED598-43EB-408A-9236-B45AB4DAC6D0}" type="datetimeFigureOut">
               <a:rPr lang="en-CA" smtClean="0"/>
-              <a:t>2019-12-29</a:t>
+              <a:t>2020-01-19</a:t>
             </a:fld>
             <a:endParaRPr lang="en-CA"/>
           </a:p>
@@ -2932,7 +2933,7 @@
           <a:p>
             <a:fld id="{CB4ED598-43EB-408A-9236-B45AB4DAC6D0}" type="datetimeFigureOut">
               <a:rPr lang="en-CA" smtClean="0"/>
-              <a:t>2019-12-29</a:t>
+              <a:t>2020-01-19</a:t>
             </a:fld>
             <a:endParaRPr lang="en-CA"/>
           </a:p>
@@ -3373,13 +3374,13 @@
         </p:spPr>
         <p:txBody>
           <a:bodyPr>
-            <a:normAutofit/>
+            <a:normAutofit fontScale="90000"/>
           </a:bodyPr>
           <a:lstStyle/>
           <a:p>
             <a:r>
               <a:rPr lang="en-US" dirty="0"/>
-              <a:t>Workshop 4: Using Arduino: Button matrix. Resistors and analog inputs</a:t>
+              <a:t>Workshop 3: Using Arduino: Buttons. Event based programming. Interrupts -&gt; when to use them and why?</a:t>
             </a:r>
           </a:p>
         </p:txBody>
@@ -3493,41 +3494,30 @@
           <a:bodyPr/>
           <a:lstStyle/>
           <a:p>
+            <a:pPr marL="0" indent="0">
+              <a:buNone/>
+            </a:pPr>
             <a:r>
               <a:rPr lang="en-US" dirty="0"/>
-              <a:t>- Learning outcome: Using analog inputs to detect small changes in voltage.</a:t>
+              <a:t>- Learning outcome: </a:t>
+            </a:r>
+          </a:p>
+          <a:p>
+            <a:r>
+              <a:rPr lang="en-US" dirty="0"/>
+              <a:t>Advanced Arduino programming. Using interrupts for event detection</a:t>
             </a:r>
           </a:p>
           <a:p>
             <a:r>
               <a:rPr lang="en-CA" dirty="0"/>
-              <a:t>- Project: </a:t>
-            </a:r>
-            <a:r>
-              <a:rPr lang="en-CA" dirty="0" err="1"/>
-              <a:t>potentiometer+servo</a:t>
-            </a:r>
+              <a:t>Event based programming: 20 min</a:t>
+            </a:r>
+          </a:p>
+          <a:p>
             <a:r>
               <a:rPr lang="en-CA" dirty="0"/>
-              <a:t> robotic arm</a:t>
-            </a:r>
-          </a:p>
-          <a:p>
-            <a:r>
-              <a:rPr lang="en-CA" dirty="0"/>
-              <a:t>- analog inputs: 10 min</a:t>
-            </a:r>
-          </a:p>
-          <a:p>
-            <a:r>
-              <a:rPr lang="en-CA" dirty="0"/>
-              <a:t>- button matrix: 10 min</a:t>
-            </a:r>
-          </a:p>
-          <a:p>
-            <a:r>
-              <a:rPr lang="en-CA" dirty="0"/>
-              <a:t>- project: 40 min</a:t>
+              <a:t>Interrupts: 15 min</a:t>
             </a:r>
           </a:p>
         </p:txBody>
@@ -3585,7 +3575,7 @@
           <a:p>
             <a:r>
               <a:rPr lang="en-CA" dirty="0"/>
-              <a:t>Metal on your wrists and stuff</a:t>
+              <a:t>How your computer detects ‘random’ events</a:t>
             </a:r>
           </a:p>
         </p:txBody>
@@ -3613,13 +3603,31 @@
           <a:p>
             <a:r>
               <a:rPr lang="en-CA" dirty="0"/>
-              <a:t>Don’t </a:t>
-            </a:r>
-            <a:r>
-              <a:rPr lang="en-CA"/>
-              <a:t>do that.</a:t>
-            </a:r>
+              <a:t>Random in this context means asynchronous</a:t>
+            </a:r>
+          </a:p>
+          <a:p>
+            <a:pPr lvl="1"/>
+            <a:r>
+              <a:rPr lang="en-CA" dirty="0"/>
+              <a:t>Computer cannot predict when the event will happen</a:t>
+            </a:r>
+          </a:p>
+          <a:p>
             <a:endParaRPr lang="en-CA" dirty="0"/>
+          </a:p>
+          <a:p>
+            <a:r>
+              <a:rPr lang="en-CA" dirty="0"/>
+              <a:t>Event listeners are constantly running in the background waiting for events to happen.</a:t>
+            </a:r>
+          </a:p>
+          <a:p>
+            <a:pPr lvl="1"/>
+            <a:r>
+              <a:rPr lang="en-CA" dirty="0"/>
+              <a:t>Trigger code to run when their event occurs.</a:t>
+            </a:r>
           </a:p>
         </p:txBody>
       </p:sp>
@@ -3627,6 +3635,92 @@
     <p:extLst>
       <p:ext uri="{BB962C8B-B14F-4D97-AF65-F5344CB8AC3E}">
         <p14:creationId xmlns:p14="http://schemas.microsoft.com/office/powerpoint/2010/main" val="2092369456"/>
+      </p:ext>
+    </p:extLst>
+  </p:cSld>
+  <p:clrMapOvr>
+    <a:masterClrMapping/>
+  </p:clrMapOvr>
+</p:sld>
+</file>
+
+<file path=ppt/slides/slide4.xml><?xml version="1.0" encoding="utf-8"?>
+<p:sld xmlns:a="http://schemas.openxmlformats.org/drawingml/2006/main" xmlns:r="http://schemas.openxmlformats.org/officeDocument/2006/relationships" xmlns:p="http://schemas.openxmlformats.org/presentationml/2006/main">
+  <p:cSld>
+    <p:spTree>
+      <p:nvGrpSpPr>
+        <p:cNvPr id="1" name=""/>
+        <p:cNvGrpSpPr/>
+        <p:nvPr/>
+      </p:nvGrpSpPr>
+      <p:grpSpPr>
+        <a:xfrm>
+          <a:off x="0" y="0"/>
+          <a:ext cx="0" cy="0"/>
+          <a:chOff x="0" y="0"/>
+          <a:chExt cx="0" cy="0"/>
+        </a:xfrm>
+      </p:grpSpPr>
+      <p:sp>
+        <p:nvSpPr>
+          <p:cNvPr id="2" name="Title 1">
+            <a:extLst>
+              <a:ext uri="{FF2B5EF4-FFF2-40B4-BE49-F238E27FC236}">
+                <a16:creationId xmlns:a16="http://schemas.microsoft.com/office/drawing/2014/main" id="{5E94C9BC-A670-4670-BCAB-BCD55E009FFF}"/>
+              </a:ext>
+            </a:extLst>
+          </p:cNvPr>
+          <p:cNvSpPr>
+            <a:spLocks noGrp="1"/>
+          </p:cNvSpPr>
+          <p:nvPr>
+            <p:ph type="title"/>
+          </p:nvPr>
+        </p:nvSpPr>
+        <p:spPr/>
+        <p:txBody>
+          <a:bodyPr/>
+          <a:lstStyle/>
+          <a:p>
+            <a:r>
+              <a:rPr lang="en-CA" dirty="0"/>
+              <a:t>Arduinos cannot do the same</a:t>
+            </a:r>
+          </a:p>
+        </p:txBody>
+      </p:sp>
+      <p:sp>
+        <p:nvSpPr>
+          <p:cNvPr id="3" name="Content Placeholder 2">
+            <a:extLst>
+              <a:ext uri="{FF2B5EF4-FFF2-40B4-BE49-F238E27FC236}">
+                <a16:creationId xmlns:a16="http://schemas.microsoft.com/office/drawing/2014/main" id="{CF1E23C7-F2DD-4D92-AA32-A204F7CAC867}"/>
+              </a:ext>
+            </a:extLst>
+          </p:cNvPr>
+          <p:cNvSpPr>
+            <a:spLocks noGrp="1"/>
+          </p:cNvSpPr>
+          <p:nvPr>
+            <p:ph idx="1"/>
+          </p:nvPr>
+        </p:nvSpPr>
+        <p:spPr/>
+        <p:txBody>
+          <a:bodyPr/>
+          <a:lstStyle/>
+          <a:p>
+            <a:r>
+              <a:rPr lang="en-CA" dirty="0"/>
+              <a:t>Hardware limitations of Arduino means that we cannot have multiple threads running concurrently</a:t>
+            </a:r>
+          </a:p>
+        </p:txBody>
+      </p:sp>
+    </p:spTree>
+    <p:extLst>
+      <p:ext uri="{BB962C8B-B14F-4D97-AF65-F5344CB8AC3E}">
+        <p14:creationId xmlns:p14="http://schemas.microsoft.com/office/powerpoint/2010/main" val="3581528990"/>
       </p:ext>
     </p:extLst>
   </p:cSld>
